--- a/file/PP32 - Shop.pptx
+++ b/file/PP32 - Shop.pptx
@@ -44382,8 +44382,8 @@
         </p:nvSpPr>
         <p:spPr>
           <a:xfrm>
-            <a:off x="5803325" y="2262450"/>
-            <a:ext cx="2441400" cy="1625400"/>
+            <a:off x="5647466" y="2178414"/>
+            <a:ext cx="2919194" cy="1625400"/>
           </a:xfrm>
           <a:prstGeom prst="rect">
             <a:avLst/>
@@ -44478,7 +44478,7 @@
                   <a:noFill/>
                 </a:uFill>
               </a:rPr>
-              <a:t>vãn</a:t>
+              <a:t>vãng</a:t>
             </a:r>
             <a:r>
               <a:rPr lang="en-US" sz="1400" dirty="0">
@@ -44741,7 +44741,7 @@
         </p:nvSpPr>
         <p:spPr>
           <a:xfrm>
-            <a:off x="716225" y="1878713"/>
+            <a:off x="987687" y="1932557"/>
             <a:ext cx="2441400" cy="373200"/>
           </a:xfrm>
           <a:prstGeom prst="rect">
@@ -44774,7 +44774,7 @@
                 <a:cs typeface="Barlow Medium"/>
                 <a:sym typeface="Barlow Medium"/>
               </a:rPr>
-              <a:t>Khách vãn lai</a:t>
+              <a:t>Khách vãng lai</a:t>
             </a:r>
             <a:endParaRPr dirty="0">
               <a:latin typeface="Barlow Medium"/>

--- a/file/PP32 - Shop.pptx
+++ b/file/PP32 - Shop.pptx
@@ -46727,10 +46727,10 @@
       </p:grpSp>
       <p:pic>
         <p:nvPicPr>
-          <p:cNvPr id="5" name="Hình ảnh 4">
+          <p:cNvPr id="3" name="Hình ảnh 2">
             <a:extLst>
               <a:ext uri="{FF2B5EF4-FFF2-40B4-BE49-F238E27FC236}">
-                <a16:creationId xmlns:a16="http://schemas.microsoft.com/office/drawing/2014/main" id="{01834468-6A71-4060-8573-8BD9C35909CA}"/>
+                <a16:creationId xmlns:a16="http://schemas.microsoft.com/office/drawing/2014/main" id="{6DB5A514-93B2-4D69-B588-43F37D4BD04C}"/>
               </a:ext>
             </a:extLst>
           </p:cNvPr>
@@ -46747,8 +46747,8 @@
         </p:blipFill>
         <p:spPr>
           <a:xfrm>
-            <a:off x="1002354" y="1014413"/>
-            <a:ext cx="4861042" cy="3557587"/>
+            <a:off x="1294376" y="935831"/>
+            <a:ext cx="4570309" cy="3690503"/>
           </a:xfrm>
           <a:prstGeom prst="rect">
             <a:avLst/>

--- a/file/PP32 - Shop.pptx
+++ b/file/PP32 - Shop.pptx
@@ -9754,6 +9754,302 @@
             <a:r>
               <a:rPr lang="en" dirty="0"/>
               <a:t>Shop thời trang</a:t>
+            </a:r>
+            <a:endParaRPr dirty="0"/>
+          </a:p>
+        </p:txBody>
+      </p:sp>
+      <p:sp>
+        <p:nvSpPr>
+          <p:cNvPr id="4" name="Google Shape;183;p30">
+            <a:extLst>
+              <a:ext uri="{FF2B5EF4-FFF2-40B4-BE49-F238E27FC236}">
+                <a16:creationId xmlns:a16="http://schemas.microsoft.com/office/drawing/2014/main" id="{94DCB018-A0A4-4CC7-A933-A9D6563DB12A}"/>
+              </a:ext>
+            </a:extLst>
+          </p:cNvPr>
+          <p:cNvSpPr txBox="1">
+            <a:spLocks noGrp="1"/>
+          </p:cNvSpPr>
+          <p:nvPr/>
+        </p:nvSpPr>
+        <p:spPr>
+          <a:xfrm>
+            <a:off x="620382" y="3492750"/>
+            <a:ext cx="7717500" cy="470400"/>
+          </a:xfrm>
+          <a:prstGeom prst="rect">
+            <a:avLst/>
+          </a:prstGeom>
+          <a:noFill/>
+          <a:ln>
+            <a:noFill/>
+          </a:ln>
+        </p:spPr>
+        <p:txBody>
+          <a:bodyPr spcFirstLastPara="1" wrap="square" lIns="91425" tIns="91425" rIns="91425" bIns="91425" anchor="ctr" anchorCtr="0">
+            <a:noAutofit/>
+          </a:bodyPr>
+          <a:lstStyle>
+            <a:defPPr marR="0" lvl="0" algn="l" rtl="0">
+              <a:lnSpc>
+                <a:spcPct val="100000"/>
+              </a:lnSpc>
+              <a:spcBef>
+                <a:spcPts val="0"/>
+              </a:spcBef>
+              <a:spcAft>
+                <a:spcPts val="0"/>
+              </a:spcAft>
+            </a:defPPr>
+            <a:lvl1pPr marL="457200" marR="0" lvl="0" indent="-330200" algn="ctr" rtl="0">
+              <a:lnSpc>
+                <a:spcPct val="100000"/>
+              </a:lnSpc>
+              <a:spcBef>
+                <a:spcPts val="0"/>
+              </a:spcBef>
+              <a:spcAft>
+                <a:spcPts val="0"/>
+              </a:spcAft>
+              <a:buClr>
+                <a:schemeClr val="accent1"/>
+              </a:buClr>
+              <a:buSzPts val="1600"/>
+              <a:buFont typeface="Barlow Medium"/>
+              <a:buNone/>
+              <a:defRPr sz="1600" b="0" i="0" u="none" strike="noStrike" cap="none">
+                <a:solidFill>
+                  <a:schemeClr val="accent1"/>
+                </a:solidFill>
+                <a:latin typeface="Barlow Medium"/>
+                <a:ea typeface="Barlow Medium"/>
+                <a:cs typeface="Barlow Medium"/>
+                <a:sym typeface="Barlow Medium"/>
+              </a:defRPr>
+            </a:lvl1pPr>
+            <a:lvl2pPr marL="914400" marR="0" lvl="1" indent="-330200" algn="ctr" rtl="0">
+              <a:lnSpc>
+                <a:spcPct val="100000"/>
+              </a:lnSpc>
+              <a:spcBef>
+                <a:spcPts val="0"/>
+              </a:spcBef>
+              <a:spcAft>
+                <a:spcPts val="0"/>
+              </a:spcAft>
+              <a:buClr>
+                <a:schemeClr val="accent1"/>
+              </a:buClr>
+              <a:buSzPts val="1600"/>
+              <a:buFont typeface="Barlow Medium"/>
+              <a:buNone/>
+              <a:defRPr sz="1600" b="0" i="0" u="none" strike="noStrike" cap="none">
+                <a:solidFill>
+                  <a:schemeClr val="accent1"/>
+                </a:solidFill>
+                <a:latin typeface="Barlow Medium"/>
+                <a:ea typeface="Barlow Medium"/>
+                <a:cs typeface="Barlow Medium"/>
+                <a:sym typeface="Barlow Medium"/>
+              </a:defRPr>
+            </a:lvl2pPr>
+            <a:lvl3pPr marL="1371600" marR="0" lvl="2" indent="-330200" algn="ctr" rtl="0">
+              <a:lnSpc>
+                <a:spcPct val="100000"/>
+              </a:lnSpc>
+              <a:spcBef>
+                <a:spcPts val="0"/>
+              </a:spcBef>
+              <a:spcAft>
+                <a:spcPts val="0"/>
+              </a:spcAft>
+              <a:buClr>
+                <a:schemeClr val="accent1"/>
+              </a:buClr>
+              <a:buSzPts val="1600"/>
+              <a:buFont typeface="Barlow Medium"/>
+              <a:buNone/>
+              <a:defRPr sz="1600" b="0" i="0" u="none" strike="noStrike" cap="none">
+                <a:solidFill>
+                  <a:schemeClr val="accent1"/>
+                </a:solidFill>
+                <a:latin typeface="Barlow Medium"/>
+                <a:ea typeface="Barlow Medium"/>
+                <a:cs typeface="Barlow Medium"/>
+                <a:sym typeface="Barlow Medium"/>
+              </a:defRPr>
+            </a:lvl3pPr>
+            <a:lvl4pPr marL="1828800" marR="0" lvl="3" indent="-330200" algn="ctr" rtl="0">
+              <a:lnSpc>
+                <a:spcPct val="100000"/>
+              </a:lnSpc>
+              <a:spcBef>
+                <a:spcPts val="0"/>
+              </a:spcBef>
+              <a:spcAft>
+                <a:spcPts val="0"/>
+              </a:spcAft>
+              <a:buClr>
+                <a:schemeClr val="accent1"/>
+              </a:buClr>
+              <a:buSzPts val="1600"/>
+              <a:buFont typeface="Barlow Medium"/>
+              <a:buNone/>
+              <a:defRPr sz="1600" b="0" i="0" u="none" strike="noStrike" cap="none">
+                <a:solidFill>
+                  <a:schemeClr val="accent1"/>
+                </a:solidFill>
+                <a:latin typeface="Barlow Medium"/>
+                <a:ea typeface="Barlow Medium"/>
+                <a:cs typeface="Barlow Medium"/>
+                <a:sym typeface="Barlow Medium"/>
+              </a:defRPr>
+            </a:lvl4pPr>
+            <a:lvl5pPr marL="2286000" marR="0" lvl="4" indent="-330200" algn="ctr" rtl="0">
+              <a:lnSpc>
+                <a:spcPct val="100000"/>
+              </a:lnSpc>
+              <a:spcBef>
+                <a:spcPts val="0"/>
+              </a:spcBef>
+              <a:spcAft>
+                <a:spcPts val="0"/>
+              </a:spcAft>
+              <a:buClr>
+                <a:schemeClr val="accent1"/>
+              </a:buClr>
+              <a:buSzPts val="1600"/>
+              <a:buFont typeface="Barlow Medium"/>
+              <a:buNone/>
+              <a:defRPr sz="1600" b="0" i="0" u="none" strike="noStrike" cap="none">
+                <a:solidFill>
+                  <a:schemeClr val="accent1"/>
+                </a:solidFill>
+                <a:latin typeface="Barlow Medium"/>
+                <a:ea typeface="Barlow Medium"/>
+                <a:cs typeface="Barlow Medium"/>
+                <a:sym typeface="Barlow Medium"/>
+              </a:defRPr>
+            </a:lvl5pPr>
+            <a:lvl6pPr marL="2743200" marR="0" lvl="5" indent="-330200" algn="ctr" rtl="0">
+              <a:lnSpc>
+                <a:spcPct val="100000"/>
+              </a:lnSpc>
+              <a:spcBef>
+                <a:spcPts val="0"/>
+              </a:spcBef>
+              <a:spcAft>
+                <a:spcPts val="0"/>
+              </a:spcAft>
+              <a:buClr>
+                <a:schemeClr val="accent1"/>
+              </a:buClr>
+              <a:buSzPts val="1600"/>
+              <a:buFont typeface="Barlow Medium"/>
+              <a:buNone/>
+              <a:defRPr sz="1600" b="0" i="0" u="none" strike="noStrike" cap="none">
+                <a:solidFill>
+                  <a:schemeClr val="accent1"/>
+                </a:solidFill>
+                <a:latin typeface="Barlow Medium"/>
+                <a:ea typeface="Barlow Medium"/>
+                <a:cs typeface="Barlow Medium"/>
+                <a:sym typeface="Barlow Medium"/>
+              </a:defRPr>
+            </a:lvl6pPr>
+            <a:lvl7pPr marL="3200400" marR="0" lvl="6" indent="-330200" algn="ctr" rtl="0">
+              <a:lnSpc>
+                <a:spcPct val="100000"/>
+              </a:lnSpc>
+              <a:spcBef>
+                <a:spcPts val="0"/>
+              </a:spcBef>
+              <a:spcAft>
+                <a:spcPts val="0"/>
+              </a:spcAft>
+              <a:buClr>
+                <a:schemeClr val="accent1"/>
+              </a:buClr>
+              <a:buSzPts val="1600"/>
+              <a:buFont typeface="Barlow Medium"/>
+              <a:buNone/>
+              <a:defRPr sz="1600" b="0" i="0" u="none" strike="noStrike" cap="none">
+                <a:solidFill>
+                  <a:schemeClr val="accent1"/>
+                </a:solidFill>
+                <a:latin typeface="Barlow Medium"/>
+                <a:ea typeface="Barlow Medium"/>
+                <a:cs typeface="Barlow Medium"/>
+                <a:sym typeface="Barlow Medium"/>
+              </a:defRPr>
+            </a:lvl7pPr>
+            <a:lvl8pPr marL="3657600" marR="0" lvl="7" indent="-330200" algn="ctr" rtl="0">
+              <a:lnSpc>
+                <a:spcPct val="100000"/>
+              </a:lnSpc>
+              <a:spcBef>
+                <a:spcPts val="0"/>
+              </a:spcBef>
+              <a:spcAft>
+                <a:spcPts val="0"/>
+              </a:spcAft>
+              <a:buClr>
+                <a:schemeClr val="accent1"/>
+              </a:buClr>
+              <a:buSzPts val="1600"/>
+              <a:buFont typeface="Barlow Medium"/>
+              <a:buNone/>
+              <a:defRPr sz="1600" b="0" i="0" u="none" strike="noStrike" cap="none">
+                <a:solidFill>
+                  <a:schemeClr val="accent1"/>
+                </a:solidFill>
+                <a:latin typeface="Barlow Medium"/>
+                <a:ea typeface="Barlow Medium"/>
+                <a:cs typeface="Barlow Medium"/>
+                <a:sym typeface="Barlow Medium"/>
+              </a:defRPr>
+            </a:lvl8pPr>
+            <a:lvl9pPr marL="4114800" marR="0" lvl="8" indent="-330200" algn="ctr" rtl="0">
+              <a:lnSpc>
+                <a:spcPct val="100000"/>
+              </a:lnSpc>
+              <a:spcBef>
+                <a:spcPts val="0"/>
+              </a:spcBef>
+              <a:spcAft>
+                <a:spcPts val="0"/>
+              </a:spcAft>
+              <a:buClr>
+                <a:schemeClr val="accent1"/>
+              </a:buClr>
+              <a:buSzPts val="1600"/>
+              <a:buFont typeface="Barlow Medium"/>
+              <a:buNone/>
+              <a:defRPr sz="1600" b="0" i="0" u="none" strike="noStrike" cap="none">
+                <a:solidFill>
+                  <a:schemeClr val="accent1"/>
+                </a:solidFill>
+                <a:latin typeface="Barlow Medium"/>
+                <a:ea typeface="Barlow Medium"/>
+                <a:cs typeface="Barlow Medium"/>
+                <a:sym typeface="Barlow Medium"/>
+              </a:defRPr>
+            </a:lvl9pPr>
+          </a:lstStyle>
+          <a:p>
+            <a:pPr marL="0" lvl="0" indent="0" algn="ctr" rtl="0">
+              <a:spcBef>
+                <a:spcPts val="0"/>
+              </a:spcBef>
+              <a:spcAft>
+                <a:spcPts val="0"/>
+              </a:spcAft>
+              <a:buNone/>
+            </a:pPr>
+            <a:r>
+              <a:rPr lang="en" dirty="0"/>
+              <a:t>Người hướng dẫn : Anh Nguyễn Nam Long</a:t>
             </a:r>
             <a:endParaRPr dirty="0"/>
           </a:p>

--- a/file/PP32 - Shop.pptx
+++ b/file/PP32 - Shop.pptx
@@ -45919,443 +45919,6 @@
           <a:chExt cx="0" cy="0"/>
         </a:xfrm>
       </p:grpSpPr>
-      <p:grpSp>
-        <p:nvGrpSpPr>
-          <p:cNvPr id="2261" name="Google Shape;2261;p60"/>
-          <p:cNvGrpSpPr/>
-          <p:nvPr/>
-        </p:nvGrpSpPr>
-        <p:grpSpPr>
-          <a:xfrm>
-            <a:off x="586908" y="887075"/>
-            <a:ext cx="7999880" cy="3757243"/>
-            <a:chOff x="3654623" y="1107111"/>
-            <a:chExt cx="4982008" cy="3259001"/>
-          </a:xfrm>
-        </p:grpSpPr>
-        <p:sp>
-          <p:nvSpPr>
-            <p:cNvPr id="2262" name="Google Shape;2262;p60"/>
-            <p:cNvSpPr/>
-            <p:nvPr/>
-          </p:nvSpPr>
-          <p:spPr>
-            <a:xfrm>
-              <a:off x="3654623" y="1107111"/>
-              <a:ext cx="4848250" cy="2806115"/>
-            </a:xfrm>
-            <a:custGeom>
-              <a:avLst/>
-              <a:gdLst/>
-              <a:ahLst/>
-              <a:cxnLst/>
-              <a:rect l="l" t="t" r="r" b="b"/>
-              <a:pathLst>
-                <a:path w="198333" h="114793" extrusionOk="0">
-                  <a:moveTo>
-                    <a:pt x="139162" y="0"/>
-                  </a:moveTo>
-                  <a:cubicBezTo>
-                    <a:pt x="126338" y="0"/>
-                    <a:pt x="114030" y="4703"/>
-                    <a:pt x="106051" y="12978"/>
-                  </a:cubicBezTo>
-                  <a:cubicBezTo>
-                    <a:pt x="100245" y="18996"/>
-                    <a:pt x="96324" y="26929"/>
-                    <a:pt x="88239" y="30425"/>
-                  </a:cubicBezTo>
-                  <a:cubicBezTo>
-                    <a:pt x="85193" y="31736"/>
-                    <a:pt x="81911" y="32280"/>
-                    <a:pt x="78504" y="32280"/>
-                  </a:cubicBezTo>
-                  <a:cubicBezTo>
-                    <a:pt x="70147" y="32280"/>
-                    <a:pt x="61042" y="29004"/>
-                    <a:pt x="52858" y="25744"/>
-                  </a:cubicBezTo>
-                  <a:cubicBezTo>
-                    <a:pt x="44710" y="22476"/>
-                    <a:pt x="35650" y="19223"/>
-                    <a:pt x="27333" y="19223"/>
-                  </a:cubicBezTo>
-                  <a:cubicBezTo>
-                    <a:pt x="23891" y="19223"/>
-                    <a:pt x="20577" y="19780"/>
-                    <a:pt x="17508" y="21124"/>
-                  </a:cubicBezTo>
-                  <a:cubicBezTo>
-                    <a:pt x="10912" y="23981"/>
-                    <a:pt x="6930" y="30030"/>
-                    <a:pt x="5046" y="36413"/>
-                  </a:cubicBezTo>
-                  <a:cubicBezTo>
-                    <a:pt x="0" y="53313"/>
-                    <a:pt x="8177" y="73100"/>
-                    <a:pt x="22766" y="86808"/>
-                  </a:cubicBezTo>
-                  <a:cubicBezTo>
-                    <a:pt x="37356" y="100517"/>
-                    <a:pt x="57509" y="108663"/>
-                    <a:pt x="77631" y="112402"/>
-                  </a:cubicBezTo>
-                  <a:cubicBezTo>
-                    <a:pt x="86126" y="113976"/>
-                    <a:pt x="94765" y="114793"/>
-                    <a:pt x="103298" y="114793"/>
-                  </a:cubicBezTo>
-                  <a:cubicBezTo>
-                    <a:pt x="123097" y="114793"/>
-                    <a:pt x="142327" y="110398"/>
-                    <a:pt x="157875" y="100882"/>
-                  </a:cubicBezTo>
-                  <a:cubicBezTo>
-                    <a:pt x="180095" y="87264"/>
-                    <a:pt x="198332" y="50759"/>
-                    <a:pt x="186143" y="26990"/>
-                  </a:cubicBezTo>
-                  <a:cubicBezTo>
-                    <a:pt x="175900" y="7020"/>
-                    <a:pt x="164076" y="3555"/>
-                    <a:pt x="148210" y="789"/>
-                  </a:cubicBezTo>
-                  <a:cubicBezTo>
-                    <a:pt x="145198" y="258"/>
-                    <a:pt x="142166" y="0"/>
-                    <a:pt x="139162" y="0"/>
-                  </a:cubicBezTo>
-                  <a:close/>
-                </a:path>
-              </a:pathLst>
-            </a:custGeom>
-            <a:solidFill>
-              <a:schemeClr val="accent2"/>
-            </a:solidFill>
-            <a:ln>
-              <a:noFill/>
-            </a:ln>
-          </p:spPr>
-          <p:txBody>
-            <a:bodyPr spcFirstLastPara="1" wrap="square" lIns="91425" tIns="91425" rIns="91425" bIns="91425" anchor="ctr" anchorCtr="0">
-              <a:noAutofit/>
-            </a:bodyPr>
-            <a:lstStyle/>
-            <a:p>
-              <a:pPr marL="0" lvl="0" indent="0" algn="l" rtl="0">
-                <a:spcBef>
-                  <a:spcPts val="0"/>
-                </a:spcBef>
-                <a:spcAft>
-                  <a:spcPts val="0"/>
-                </a:spcAft>
-                <a:buNone/>
-              </a:pPr>
-              <a:endParaRPr dirty="0"/>
-            </a:p>
-          </p:txBody>
-        </p:sp>
-        <p:grpSp>
-          <p:nvGrpSpPr>
-            <p:cNvPr id="2263" name="Google Shape;2263;p60"/>
-            <p:cNvGrpSpPr/>
-            <p:nvPr/>
-          </p:nvGrpSpPr>
-          <p:grpSpPr>
-            <a:xfrm>
-              <a:off x="4116435" y="1543545"/>
-              <a:ext cx="4520196" cy="2822567"/>
-              <a:chOff x="3772766" y="1858267"/>
-              <a:chExt cx="4400931" cy="2748094"/>
-            </a:xfrm>
-          </p:grpSpPr>
-          <p:sp>
-            <p:nvSpPr>
-              <p:cNvPr id="2264" name="Google Shape;2264;p60"/>
-              <p:cNvSpPr/>
-              <p:nvPr/>
-            </p:nvSpPr>
-            <p:spPr>
-              <a:xfrm>
-                <a:off x="3931756" y="1858267"/>
-                <a:ext cx="4061390" cy="2686041"/>
-              </a:xfrm>
-              <a:custGeom>
-                <a:avLst/>
-                <a:gdLst/>
-                <a:ahLst/>
-                <a:cxnLst/>
-                <a:rect l="l" t="t" r="r" b="b"/>
-                <a:pathLst>
-                  <a:path w="166144" h="109881" extrusionOk="0">
-                    <a:moveTo>
-                      <a:pt x="5533" y="1"/>
-                    </a:moveTo>
-                    <a:cubicBezTo>
-                      <a:pt x="2463" y="1"/>
-                      <a:pt x="1" y="2463"/>
-                      <a:pt x="1" y="5533"/>
-                    </a:cubicBezTo>
-                    <a:lnTo>
-                      <a:pt x="1" y="104349"/>
-                    </a:lnTo>
-                    <a:cubicBezTo>
-                      <a:pt x="1" y="107419"/>
-                      <a:pt x="2463" y="109881"/>
-                      <a:pt x="5533" y="109881"/>
-                    </a:cubicBezTo>
-                    <a:lnTo>
-                      <a:pt x="160612" y="109881"/>
-                    </a:lnTo>
-                    <a:cubicBezTo>
-                      <a:pt x="163682" y="109881"/>
-                      <a:pt x="166144" y="107419"/>
-                      <a:pt x="166144" y="104349"/>
-                    </a:cubicBezTo>
-                    <a:lnTo>
-                      <a:pt x="166144" y="5533"/>
-                    </a:lnTo>
-                    <a:cubicBezTo>
-                      <a:pt x="166144" y="2463"/>
-                      <a:pt x="163682" y="1"/>
-                      <a:pt x="160612" y="1"/>
-                    </a:cubicBezTo>
-                    <a:close/>
-                  </a:path>
-                </a:pathLst>
-              </a:custGeom>
-              <a:solidFill>
-                <a:schemeClr val="accent1"/>
-              </a:solidFill>
-              <a:ln>
-                <a:noFill/>
-              </a:ln>
-            </p:spPr>
-            <p:txBody>
-              <a:bodyPr spcFirstLastPara="1" wrap="square" lIns="91425" tIns="91425" rIns="91425" bIns="91425" anchor="ctr" anchorCtr="0">
-                <a:noAutofit/>
-              </a:bodyPr>
-              <a:lstStyle/>
-              <a:p>
-                <a:pPr marL="0" lvl="0" indent="0" algn="l" rtl="0">
-                  <a:spcBef>
-                    <a:spcPts val="0"/>
-                  </a:spcBef>
-                  <a:spcAft>
-                    <a:spcPts val="0"/>
-                  </a:spcAft>
-                  <a:buNone/>
-                </a:pPr>
-                <a:endParaRPr/>
-              </a:p>
-            </p:txBody>
-          </p:sp>
-          <p:sp>
-            <p:nvSpPr>
-              <p:cNvPr id="2265" name="Google Shape;2265;p60"/>
-              <p:cNvSpPr/>
-              <p:nvPr/>
-            </p:nvSpPr>
-            <p:spPr>
-              <a:xfrm>
-                <a:off x="3772766" y="4371542"/>
-                <a:ext cx="4400931" cy="234819"/>
-              </a:xfrm>
-              <a:custGeom>
-                <a:avLst/>
-                <a:gdLst/>
-                <a:ahLst/>
-                <a:cxnLst/>
-                <a:rect l="l" t="t" r="r" b="b"/>
-                <a:pathLst>
-                  <a:path w="180034" h="9606" extrusionOk="0">
-                    <a:moveTo>
-                      <a:pt x="0" y="0"/>
-                    </a:moveTo>
-                    <a:lnTo>
-                      <a:pt x="0" y="2858"/>
-                    </a:lnTo>
-                    <a:cubicBezTo>
-                      <a:pt x="0" y="6566"/>
-                      <a:pt x="3040" y="9605"/>
-                      <a:pt x="6778" y="9605"/>
-                    </a:cubicBezTo>
-                    <a:lnTo>
-                      <a:pt x="173256" y="9605"/>
-                    </a:lnTo>
-                    <a:cubicBezTo>
-                      <a:pt x="176994" y="9605"/>
-                      <a:pt x="180034" y="6566"/>
-                      <a:pt x="180034" y="2858"/>
-                    </a:cubicBezTo>
-                    <a:lnTo>
-                      <a:pt x="180034" y="0"/>
-                    </a:lnTo>
-                    <a:close/>
-                  </a:path>
-                </a:pathLst>
-              </a:custGeom>
-              <a:solidFill>
-                <a:schemeClr val="accent1"/>
-              </a:solidFill>
-              <a:ln>
-                <a:noFill/>
-              </a:ln>
-            </p:spPr>
-            <p:txBody>
-              <a:bodyPr spcFirstLastPara="1" wrap="square" lIns="91425" tIns="91425" rIns="91425" bIns="91425" anchor="ctr" anchorCtr="0">
-                <a:noAutofit/>
-              </a:bodyPr>
-              <a:lstStyle/>
-              <a:p>
-                <a:pPr marL="0" lvl="0" indent="0" algn="l" rtl="0">
-                  <a:spcBef>
-                    <a:spcPts val="0"/>
-                  </a:spcBef>
-                  <a:spcAft>
-                    <a:spcPts val="0"/>
-                  </a:spcAft>
-                  <a:buNone/>
-                </a:pPr>
-                <a:endParaRPr/>
-              </a:p>
-            </p:txBody>
-          </p:sp>
-          <p:sp>
-            <p:nvSpPr>
-              <p:cNvPr id="2266" name="Google Shape;2266;p60"/>
-              <p:cNvSpPr/>
-              <p:nvPr/>
-            </p:nvSpPr>
-            <p:spPr>
-              <a:xfrm>
-                <a:off x="5561945" y="4346291"/>
-                <a:ext cx="873835" cy="86951"/>
-              </a:xfrm>
-              <a:custGeom>
-                <a:avLst/>
-                <a:gdLst/>
-                <a:ahLst/>
-                <a:cxnLst/>
-                <a:rect l="l" t="t" r="r" b="b"/>
-                <a:pathLst>
-                  <a:path w="35747" h="3557" extrusionOk="0">
-                    <a:moveTo>
-                      <a:pt x="1" y="0"/>
-                    </a:moveTo>
-                    <a:lnTo>
-                      <a:pt x="2250" y="3556"/>
-                    </a:lnTo>
-                    <a:lnTo>
-                      <a:pt x="33679" y="3556"/>
-                    </a:lnTo>
-                    <a:lnTo>
-                      <a:pt x="35746" y="0"/>
-                    </a:lnTo>
-                    <a:close/>
-                  </a:path>
-                </a:pathLst>
-              </a:custGeom>
-              <a:solidFill>
-                <a:schemeClr val="lt2"/>
-              </a:solidFill>
-              <a:ln>
-                <a:noFill/>
-              </a:ln>
-            </p:spPr>
-            <p:txBody>
-              <a:bodyPr spcFirstLastPara="1" wrap="square" lIns="91425" tIns="91425" rIns="91425" bIns="91425" anchor="ctr" anchorCtr="0">
-                <a:noAutofit/>
-              </a:bodyPr>
-              <a:lstStyle/>
-              <a:p>
-                <a:pPr marL="0" lvl="0" indent="0" algn="l" rtl="0">
-                  <a:spcBef>
-                    <a:spcPts val="0"/>
-                  </a:spcBef>
-                  <a:spcAft>
-                    <a:spcPts val="0"/>
-                  </a:spcAft>
-                  <a:buNone/>
-                </a:pPr>
-                <a:endParaRPr/>
-              </a:p>
-            </p:txBody>
-          </p:sp>
-          <p:sp>
-            <p:nvSpPr>
-              <p:cNvPr id="2267" name="Google Shape;2267;p60"/>
-              <p:cNvSpPr/>
-              <p:nvPr/>
-            </p:nvSpPr>
-            <p:spPr>
-              <a:xfrm>
-                <a:off x="3931756" y="4343308"/>
-                <a:ext cx="4026483" cy="5231"/>
-              </a:xfrm>
-              <a:custGeom>
-                <a:avLst/>
-                <a:gdLst/>
-                <a:ahLst/>
-                <a:cxnLst/>
-                <a:rect l="l" t="t" r="r" b="b"/>
-                <a:pathLst>
-                  <a:path w="164716" h="214" extrusionOk="0">
-                    <a:moveTo>
-                      <a:pt x="82373" y="0"/>
-                    </a:moveTo>
-                    <a:cubicBezTo>
-                      <a:pt x="36871" y="0"/>
-                      <a:pt x="1" y="61"/>
-                      <a:pt x="1" y="122"/>
-                    </a:cubicBezTo>
-                    <a:cubicBezTo>
-                      <a:pt x="1" y="183"/>
-                      <a:pt x="36901" y="213"/>
-                      <a:pt x="82373" y="213"/>
-                    </a:cubicBezTo>
-                    <a:cubicBezTo>
-                      <a:pt x="127845" y="213"/>
-                      <a:pt x="164715" y="183"/>
-                      <a:pt x="164715" y="122"/>
-                    </a:cubicBezTo>
-                    <a:cubicBezTo>
-                      <a:pt x="164715" y="61"/>
-                      <a:pt x="127875" y="0"/>
-                      <a:pt x="82373" y="0"/>
-                    </a:cubicBezTo>
-                    <a:close/>
-                  </a:path>
-                </a:pathLst>
-              </a:custGeom>
-              <a:solidFill>
-                <a:schemeClr val="lt2"/>
-              </a:solidFill>
-              <a:ln>
-                <a:noFill/>
-              </a:ln>
-            </p:spPr>
-            <p:txBody>
-              <a:bodyPr spcFirstLastPara="1" wrap="square" lIns="91425" tIns="91425" rIns="91425" bIns="91425" anchor="ctr" anchorCtr="0">
-                <a:noAutofit/>
-              </a:bodyPr>
-              <a:lstStyle/>
-              <a:p>
-                <a:pPr marL="0" lvl="0" indent="0" algn="l" rtl="0">
-                  <a:spcBef>
-                    <a:spcPts val="0"/>
-                  </a:spcBef>
-                  <a:spcAft>
-                    <a:spcPts val="0"/>
-                  </a:spcAft>
-                  <a:buNone/>
-                </a:pPr>
-                <a:endParaRPr/>
-              </a:p>
-            </p:txBody>
-          </p:sp>
-        </p:grpSp>
-      </p:grpSp>
       <p:sp>
         <p:nvSpPr>
           <p:cNvPr id="2268" name="Google Shape;2268;p60"/>
@@ -46470,6 +46033,36 @@
           </a:ln>
         </p:spPr>
       </p:pic>
+      <p:pic>
+        <p:nvPicPr>
+          <p:cNvPr id="4" name="Hình ảnh 3">
+            <a:extLst>
+              <a:ext uri="{FF2B5EF4-FFF2-40B4-BE49-F238E27FC236}">
+                <a16:creationId xmlns:a16="http://schemas.microsoft.com/office/drawing/2014/main" id="{9C61582E-DAF8-425C-8640-593BF103535D}"/>
+              </a:ext>
+            </a:extLst>
+          </p:cNvPr>
+          <p:cNvPicPr>
+            <a:picLocks noChangeAspect="1"/>
+          </p:cNvPicPr>
+          <p:nvPr/>
+        </p:nvPicPr>
+        <p:blipFill>
+          <a:blip r:embed="rId4"/>
+          <a:stretch>
+            <a:fillRect/>
+          </a:stretch>
+        </p:blipFill>
+        <p:spPr>
+          <a:xfrm>
+            <a:off x="975049" y="1036258"/>
+            <a:ext cx="7111675" cy="3457901"/>
+          </a:xfrm>
+          <a:prstGeom prst="rect">
+            <a:avLst/>
+          </a:prstGeom>
+        </p:spPr>
+      </p:pic>
     </p:spTree>
   </p:cSld>
   <p:clrMapOvr>
@@ -46617,416 +46210,12 @@
           </a:p>
         </p:txBody>
       </p:sp>
-      <p:grpSp>
-        <p:nvGrpSpPr>
-          <p:cNvPr id="2281" name="Google Shape;2281;p61"/>
-          <p:cNvGrpSpPr/>
-          <p:nvPr/>
-        </p:nvGrpSpPr>
-        <p:grpSpPr>
-          <a:xfrm>
-            <a:off x="-80001" y="-1"/>
-            <a:ext cx="6487945" cy="4779169"/>
-            <a:chOff x="318231" y="781355"/>
-            <a:chExt cx="4837365" cy="3825474"/>
-          </a:xfrm>
-        </p:grpSpPr>
-        <p:sp>
-          <p:nvSpPr>
-            <p:cNvPr id="2282" name="Google Shape;2282;p61"/>
-            <p:cNvSpPr/>
-            <p:nvPr/>
-          </p:nvSpPr>
-          <p:spPr>
-            <a:xfrm>
-              <a:off x="318231" y="781355"/>
-              <a:ext cx="4837365" cy="3580803"/>
-            </a:xfrm>
-            <a:custGeom>
-              <a:avLst/>
-              <a:gdLst/>
-              <a:ahLst/>
-              <a:cxnLst/>
-              <a:rect l="l" t="t" r="r" b="b"/>
-              <a:pathLst>
-                <a:path w="241506" h="178772" extrusionOk="0">
-                  <a:moveTo>
-                    <a:pt x="176439" y="1"/>
-                  </a:moveTo>
-                  <a:cubicBezTo>
-                    <a:pt x="174926" y="1"/>
-                    <a:pt x="173413" y="61"/>
-                    <a:pt x="171900" y="167"/>
-                  </a:cubicBezTo>
-                  <a:cubicBezTo>
-                    <a:pt x="152163" y="1757"/>
-                    <a:pt x="133588" y="13933"/>
-                    <a:pt x="124282" y="31422"/>
-                  </a:cubicBezTo>
-                  <a:cubicBezTo>
-                    <a:pt x="118814" y="41698"/>
-                    <a:pt x="116061" y="53990"/>
-                    <a:pt x="107220" y="61590"/>
-                  </a:cubicBezTo>
-                  <a:cubicBezTo>
-                    <a:pt x="100516" y="67324"/>
-                    <a:pt x="91920" y="69089"/>
-                    <a:pt x="82946" y="69089"/>
-                  </a:cubicBezTo>
-                  <a:cubicBezTo>
-                    <a:pt x="76504" y="69089"/>
-                    <a:pt x="69867" y="68179"/>
-                    <a:pt x="63595" y="67174"/>
-                  </a:cubicBezTo>
-                  <a:cubicBezTo>
-                    <a:pt x="57386" y="66177"/>
-                    <a:pt x="50804" y="65280"/>
-                    <a:pt x="44407" y="65280"/>
-                  </a:cubicBezTo>
-                  <a:cubicBezTo>
-                    <a:pt x="35382" y="65280"/>
-                    <a:pt x="26726" y="67065"/>
-                    <a:pt x="20010" y="72874"/>
-                  </a:cubicBezTo>
-                  <a:cubicBezTo>
-                    <a:pt x="12836" y="79040"/>
-                    <a:pt x="6825" y="91526"/>
-                    <a:pt x="5041" y="100872"/>
-                  </a:cubicBezTo>
-                  <a:cubicBezTo>
-                    <a:pt x="0" y="127279"/>
-                    <a:pt x="14542" y="147792"/>
-                    <a:pt x="35443" y="161713"/>
-                  </a:cubicBezTo>
-                  <a:cubicBezTo>
-                    <a:pt x="53553" y="173809"/>
-                    <a:pt x="80949" y="178772"/>
-                    <a:pt x="104264" y="178772"/>
-                  </a:cubicBezTo>
-                  <a:cubicBezTo>
-                    <a:pt x="107857" y="178772"/>
-                    <a:pt x="111353" y="178654"/>
-                    <a:pt x="114704" y="178426"/>
-                  </a:cubicBezTo>
-                  <a:cubicBezTo>
-                    <a:pt x="149836" y="176022"/>
-                    <a:pt x="184813" y="161519"/>
-                    <a:pt x="208118" y="135151"/>
-                  </a:cubicBezTo>
-                  <a:cubicBezTo>
-                    <a:pt x="231462" y="108743"/>
-                    <a:pt x="241506" y="70005"/>
-                    <a:pt x="229872" y="36773"/>
-                  </a:cubicBezTo>
-                  <a:lnTo>
-                    <a:pt x="228864" y="34485"/>
-                  </a:lnTo>
-                  <a:cubicBezTo>
-                    <a:pt x="220100" y="15019"/>
-                    <a:pt x="201449" y="1563"/>
-                    <a:pt x="180160" y="128"/>
-                  </a:cubicBezTo>
-                  <a:cubicBezTo>
-                    <a:pt x="178920" y="41"/>
-                    <a:pt x="177679" y="1"/>
-                    <a:pt x="176439" y="1"/>
-                  </a:cubicBezTo>
-                  <a:close/>
-                </a:path>
-              </a:pathLst>
-            </a:custGeom>
-            <a:solidFill>
-              <a:schemeClr val="accent2"/>
-            </a:solidFill>
-            <a:ln>
-              <a:noFill/>
-            </a:ln>
-          </p:spPr>
-          <p:txBody>
-            <a:bodyPr spcFirstLastPara="1" wrap="square" lIns="91425" tIns="91425" rIns="91425" bIns="91425" anchor="ctr" anchorCtr="0">
-              <a:noAutofit/>
-            </a:bodyPr>
-            <a:lstStyle/>
-            <a:p>
-              <a:pPr marL="0" lvl="0" indent="0" algn="l" rtl="0">
-                <a:spcBef>
-                  <a:spcPts val="0"/>
-                </a:spcBef>
-                <a:spcAft>
-                  <a:spcPts val="0"/>
-                </a:spcAft>
-                <a:buNone/>
-              </a:pPr>
-              <a:endParaRPr/>
-            </a:p>
-          </p:txBody>
-        </p:sp>
-        <p:grpSp>
-          <p:nvGrpSpPr>
-            <p:cNvPr id="2283" name="Google Shape;2283;p61"/>
-            <p:cNvGrpSpPr/>
-            <p:nvPr/>
-          </p:nvGrpSpPr>
-          <p:grpSpPr>
-            <a:xfrm>
-              <a:off x="1017470" y="1427513"/>
-              <a:ext cx="4138126" cy="3179316"/>
-              <a:chOff x="1028240" y="1777273"/>
-              <a:chExt cx="3682917" cy="2829328"/>
-            </a:xfrm>
-          </p:grpSpPr>
-          <p:sp>
-            <p:nvSpPr>
-              <p:cNvPr id="2284" name="Google Shape;2284;p61"/>
-              <p:cNvSpPr/>
-              <p:nvPr/>
-            </p:nvSpPr>
-            <p:spPr>
-              <a:xfrm>
-                <a:off x="1028240" y="1777273"/>
-                <a:ext cx="3682917" cy="2829328"/>
-              </a:xfrm>
-              <a:custGeom>
-                <a:avLst/>
-                <a:gdLst/>
-                <a:ahLst/>
-                <a:cxnLst/>
-                <a:rect l="l" t="t" r="r" b="b"/>
-                <a:pathLst>
-                  <a:path w="179540" h="125096" extrusionOk="0">
-                    <a:moveTo>
-                      <a:pt x="5624" y="0"/>
-                    </a:moveTo>
-                    <a:cubicBezTo>
-                      <a:pt x="2521" y="0"/>
-                      <a:pt x="1" y="2482"/>
-                      <a:pt x="1" y="5584"/>
-                    </a:cubicBezTo>
-                    <a:lnTo>
-                      <a:pt x="1" y="119512"/>
-                    </a:lnTo>
-                    <a:cubicBezTo>
-                      <a:pt x="1" y="122614"/>
-                      <a:pt x="2521" y="125096"/>
-                      <a:pt x="5624" y="125096"/>
-                    </a:cubicBezTo>
-                    <a:lnTo>
-                      <a:pt x="173956" y="125096"/>
-                    </a:lnTo>
-                    <a:cubicBezTo>
-                      <a:pt x="177058" y="125096"/>
-                      <a:pt x="179540" y="122614"/>
-                      <a:pt x="179540" y="119512"/>
-                    </a:cubicBezTo>
-                    <a:lnTo>
-                      <a:pt x="179540" y="5584"/>
-                    </a:lnTo>
-                    <a:cubicBezTo>
-                      <a:pt x="179540" y="2482"/>
-                      <a:pt x="177058" y="0"/>
-                      <a:pt x="173956" y="0"/>
-                    </a:cubicBezTo>
-                    <a:close/>
-                  </a:path>
-                </a:pathLst>
-              </a:custGeom>
-              <a:solidFill>
-                <a:srgbClr val="263238"/>
-              </a:solidFill>
-              <a:ln>
-                <a:noFill/>
-              </a:ln>
-            </p:spPr>
-            <p:txBody>
-              <a:bodyPr spcFirstLastPara="1" wrap="square" lIns="91425" tIns="91425" rIns="91425" bIns="91425" anchor="ctr" anchorCtr="0">
-                <a:noAutofit/>
-              </a:bodyPr>
-              <a:lstStyle/>
-              <a:p>
-                <a:pPr marL="0" lvl="0" indent="0" algn="l" rtl="0">
-                  <a:spcBef>
-                    <a:spcPts val="0"/>
-                  </a:spcBef>
-                  <a:spcAft>
-                    <a:spcPts val="0"/>
-                  </a:spcAft>
-                  <a:buNone/>
-                </a:pPr>
-                <a:endParaRPr/>
-              </a:p>
-            </p:txBody>
-          </p:sp>
-          <p:sp>
-            <p:nvSpPr>
-              <p:cNvPr id="2285" name="Google Shape;2285;p61"/>
-              <p:cNvSpPr/>
-              <p:nvPr/>
-            </p:nvSpPr>
-            <p:spPr>
-              <a:xfrm>
-                <a:off x="4425264" y="3257885"/>
-                <a:ext cx="211294" cy="192506"/>
-              </a:xfrm>
-              <a:custGeom>
-                <a:avLst/>
-                <a:gdLst/>
-                <a:ahLst/>
-                <a:cxnLst/>
-                <a:rect l="l" t="t" r="r" b="b"/>
-                <a:pathLst>
-                  <a:path w="10549" h="9611" extrusionOk="0">
-                    <a:moveTo>
-                      <a:pt x="5258" y="1"/>
-                    </a:moveTo>
-                    <a:cubicBezTo>
-                      <a:pt x="3094" y="1"/>
-                      <a:pt x="1119" y="1509"/>
-                      <a:pt x="621" y="3700"/>
-                    </a:cubicBezTo>
-                    <a:cubicBezTo>
-                      <a:pt x="1" y="6298"/>
-                      <a:pt x="1591" y="8858"/>
-                      <a:pt x="4189" y="9478"/>
-                    </a:cubicBezTo>
-                    <a:cubicBezTo>
-                      <a:pt x="4557" y="9567"/>
-                      <a:pt x="4927" y="9610"/>
-                      <a:pt x="5291" y="9610"/>
-                    </a:cubicBezTo>
-                    <a:cubicBezTo>
-                      <a:pt x="7455" y="9610"/>
-                      <a:pt x="9435" y="8101"/>
-                      <a:pt x="9967" y="5911"/>
-                    </a:cubicBezTo>
-                    <a:cubicBezTo>
-                      <a:pt x="10548" y="3312"/>
-                      <a:pt x="8958" y="753"/>
-                      <a:pt x="6360" y="133"/>
-                    </a:cubicBezTo>
-                    <a:cubicBezTo>
-                      <a:pt x="5992" y="43"/>
-                      <a:pt x="5622" y="1"/>
-                      <a:pt x="5258" y="1"/>
-                    </a:cubicBezTo>
-                    <a:close/>
-                  </a:path>
-                </a:pathLst>
-              </a:custGeom>
-              <a:solidFill>
-                <a:srgbClr val="455A64"/>
-              </a:solidFill>
-              <a:ln>
-                <a:noFill/>
-              </a:ln>
-            </p:spPr>
-            <p:txBody>
-              <a:bodyPr spcFirstLastPara="1" wrap="square" lIns="91425" tIns="91425" rIns="91425" bIns="91425" anchor="ctr" anchorCtr="0">
-                <a:noAutofit/>
-              </a:bodyPr>
-              <a:lstStyle/>
-              <a:p>
-                <a:pPr marL="0" lvl="0" indent="0" algn="l" rtl="0">
-                  <a:spcBef>
-                    <a:spcPts val="0"/>
-                  </a:spcBef>
-                  <a:spcAft>
-                    <a:spcPts val="0"/>
-                  </a:spcAft>
-                  <a:buNone/>
-                </a:pPr>
-                <a:endParaRPr/>
-              </a:p>
-            </p:txBody>
-          </p:sp>
-          <p:sp>
-            <p:nvSpPr>
-              <p:cNvPr id="2286" name="Google Shape;2286;p61"/>
-              <p:cNvSpPr/>
-              <p:nvPr/>
-            </p:nvSpPr>
-            <p:spPr>
-              <a:xfrm>
-                <a:off x="1219065" y="2976267"/>
-                <a:ext cx="39619" cy="754961"/>
-              </a:xfrm>
-              <a:custGeom>
-                <a:avLst/>
-                <a:gdLst/>
-                <a:ahLst/>
-                <a:cxnLst/>
-                <a:rect l="l" t="t" r="r" b="b"/>
-                <a:pathLst>
-                  <a:path w="1978" h="37692" extrusionOk="0">
-                    <a:moveTo>
-                      <a:pt x="582" y="0"/>
-                    </a:moveTo>
-                    <a:cubicBezTo>
-                      <a:pt x="233" y="0"/>
-                      <a:pt x="0" y="272"/>
-                      <a:pt x="0" y="621"/>
-                    </a:cubicBezTo>
-                    <a:lnTo>
-                      <a:pt x="0" y="37110"/>
-                    </a:lnTo>
-                    <a:cubicBezTo>
-                      <a:pt x="0" y="37420"/>
-                      <a:pt x="233" y="37692"/>
-                      <a:pt x="582" y="37692"/>
-                    </a:cubicBezTo>
-                    <a:lnTo>
-                      <a:pt x="1396" y="37692"/>
-                    </a:lnTo>
-                    <a:cubicBezTo>
-                      <a:pt x="1706" y="37692"/>
-                      <a:pt x="1978" y="37420"/>
-                      <a:pt x="1978" y="37110"/>
-                    </a:cubicBezTo>
-                    <a:lnTo>
-                      <a:pt x="1978" y="621"/>
-                    </a:lnTo>
-                    <a:cubicBezTo>
-                      <a:pt x="1978" y="272"/>
-                      <a:pt x="1706" y="0"/>
-                      <a:pt x="1396" y="0"/>
-                    </a:cubicBezTo>
-                    <a:close/>
-                  </a:path>
-                </a:pathLst>
-              </a:custGeom>
-              <a:solidFill>
-                <a:srgbClr val="455A64"/>
-              </a:solidFill>
-              <a:ln>
-                <a:noFill/>
-              </a:ln>
-            </p:spPr>
-            <p:txBody>
-              <a:bodyPr spcFirstLastPara="1" wrap="square" lIns="91425" tIns="91425" rIns="91425" bIns="91425" anchor="ctr" anchorCtr="0">
-                <a:noAutofit/>
-              </a:bodyPr>
-              <a:lstStyle/>
-              <a:p>
-                <a:pPr marL="0" lvl="0" indent="0" algn="l" rtl="0">
-                  <a:spcBef>
-                    <a:spcPts val="0"/>
-                  </a:spcBef>
-                  <a:spcAft>
-                    <a:spcPts val="0"/>
-                  </a:spcAft>
-                  <a:buNone/>
-                </a:pPr>
-                <a:endParaRPr/>
-              </a:p>
-            </p:txBody>
-          </p:sp>
-        </p:grpSp>
-      </p:grpSp>
       <p:pic>
         <p:nvPicPr>
-          <p:cNvPr id="3" name="Hình ảnh 2">
+          <p:cNvPr id="4" name="Hình ảnh 3">
             <a:extLst>
               <a:ext uri="{FF2B5EF4-FFF2-40B4-BE49-F238E27FC236}">
-                <a16:creationId xmlns:a16="http://schemas.microsoft.com/office/drawing/2014/main" id="{6DB5A514-93B2-4D69-B588-43F37D4BD04C}"/>
+                <a16:creationId xmlns:a16="http://schemas.microsoft.com/office/drawing/2014/main" id="{015918E2-7769-457C-BD8E-A8F0B5FABCC2}"/>
               </a:ext>
             </a:extLst>
           </p:cNvPr>
@@ -47043,8 +46232,8 @@
         </p:blipFill>
         <p:spPr>
           <a:xfrm>
-            <a:off x="1294376" y="935831"/>
-            <a:ext cx="4570309" cy="3690503"/>
+            <a:off x="137353" y="80310"/>
+            <a:ext cx="6734935" cy="4870308"/>
           </a:xfrm>
           <a:prstGeom prst="rect">
             <a:avLst/>

--- a/file/PP32 - Shop.pptx
+++ b/file/PP32 - Shop.pptx
@@ -45994,10 +45994,10 @@
       </p:sp>
       <p:pic>
         <p:nvPicPr>
-          <p:cNvPr id="18" name="Picture 1">
+          <p:cNvPr id="5" name="Hình ảnh 4">
             <a:extLst>
               <a:ext uri="{FF2B5EF4-FFF2-40B4-BE49-F238E27FC236}">
-                <a16:creationId xmlns:a16="http://schemas.microsoft.com/office/drawing/2014/main" id="{878567BC-4A30-4EEB-AAC9-7059C3D80AF4}"/>
+                <a16:creationId xmlns:a16="http://schemas.microsoft.com/office/drawing/2014/main" id="{F1812D39-C666-4223-B313-B7DA75E60A66}"/>
               </a:ext>
             </a:extLst>
           </p:cNvPr>
@@ -46007,56 +46007,15 @@
           <p:nvPr/>
         </p:nvPicPr>
         <p:blipFill>
-          <a:blip r:embed="rId3">
-            <a:extLst>
-              <a:ext uri="{28A0092B-C50C-407E-A947-70E740481C1C}">
-                <a14:useLocalDpi xmlns:a14="http://schemas.microsoft.com/office/drawing/2010/main" val="0"/>
-              </a:ext>
-            </a:extLst>
-          </a:blip>
-          <a:srcRect/>
-          <a:stretch>
-            <a:fillRect/>
-          </a:stretch>
-        </p:blipFill>
-        <p:spPr bwMode="auto">
-          <a:xfrm>
-            <a:off x="1783079" y="1549584"/>
-            <a:ext cx="6303645" cy="2812035"/>
-          </a:xfrm>
-          <a:prstGeom prst="rect">
-            <a:avLst/>
-          </a:prstGeom>
-          <a:noFill/>
-          <a:ln>
-            <a:noFill/>
-          </a:ln>
-        </p:spPr>
-      </p:pic>
-      <p:pic>
-        <p:nvPicPr>
-          <p:cNvPr id="4" name="Hình ảnh 3">
-            <a:extLst>
-              <a:ext uri="{FF2B5EF4-FFF2-40B4-BE49-F238E27FC236}">
-                <a16:creationId xmlns:a16="http://schemas.microsoft.com/office/drawing/2014/main" id="{9C61582E-DAF8-425C-8640-593BF103535D}"/>
-              </a:ext>
-            </a:extLst>
-          </p:cNvPr>
-          <p:cNvPicPr>
-            <a:picLocks noChangeAspect="1"/>
-          </p:cNvPicPr>
-          <p:nvPr/>
-        </p:nvPicPr>
-        <p:blipFill>
-          <a:blip r:embed="rId4"/>
+          <a:blip r:embed="rId3"/>
           <a:stretch>
             <a:fillRect/>
           </a:stretch>
         </p:blipFill>
         <p:spPr>
           <a:xfrm>
-            <a:off x="975049" y="1036258"/>
-            <a:ext cx="7111675" cy="3457901"/>
+            <a:off x="536280" y="907256"/>
+            <a:ext cx="8071440" cy="3579019"/>
           </a:xfrm>
           <a:prstGeom prst="rect">
             <a:avLst/>
